--- a/AAAI2019_Efficient_Marginal_Inference_in_Continuous_MRFs.pptx
+++ b/AAAI2019_Efficient_Marginal_Inference_in_Continuous_MRFs.pptx
@@ -2251,7 +2251,6 @@
           <a:p>
             <a:r>
               <a:rPr lang="en-US" dirty="0">
-                <a:latin typeface="Aharoni" panose="02010803020104030203" pitchFamily="2" charset="-79"/>
                 <a:cs typeface="Aharoni" panose="02010803020104030203" pitchFamily="2" charset="-79"/>
               </a:rPr>
               <a:t>Beyond marginals</a:t>
@@ -2791,7 +2790,9 @@
         </p:nvSpPr>
         <p:spPr/>
         <p:txBody>
-          <a:bodyPr/>
+          <a:bodyPr>
+            <a:normAutofit/>
+          </a:bodyPr>
           <a:lstStyle/>
           <a:p>
             <a:r>
@@ -4019,6 +4020,14 @@
 <file path=ppt/slides/slide5.xml><?xml version="1.0" encoding="utf-8"?>
 <p:sld xmlns:a="http://schemas.openxmlformats.org/drawingml/2006/main" xmlns:r="http://schemas.openxmlformats.org/officeDocument/2006/relationships" xmlns:p="http://schemas.openxmlformats.org/presentationml/2006/main">
   <p:cSld>
+    <p:bg>
+      <p:bgPr>
+        <a:solidFill>
+          <a:schemeClr val="bg1"/>
+        </a:solidFill>
+        <a:effectLst/>
+      </p:bgPr>
+    </p:bg>
     <p:spTree>
       <p:nvGrpSpPr>
         <p:cNvPr id="1" name=""/>
@@ -4279,7 +4288,7 @@
     </p:extLst>
   </p:cSld>
   <p:clrMapOvr>
-    <a:masterClrMapping/>
+    <a:overrideClrMapping bg1="lt1" tx1="dk1" bg2="lt2" tx2="dk2" accent1="accent1" accent2="accent2" accent3="accent3" accent4="accent4" accent5="accent5" accent6="accent6" hlink="hlink" folHlink="folHlink"/>
   </p:clrMapOvr>
 </p:sld>
 </file>
@@ -4362,8 +4371,8 @@
           </a:p>
         </p:txBody>
       </p:sp>
-      <mc:AlternateContent xmlns:mc="http://schemas.openxmlformats.org/markup-compatibility/2006">
-        <mc:Choice xmlns:a14="http://schemas.microsoft.com/office/drawing/2010/main" Requires="a14">
+      <mc:AlternateContent xmlns:mc="http://schemas.openxmlformats.org/markup-compatibility/2006" xmlns:a14="http://schemas.microsoft.com/office/drawing/2010/main">
+        <mc:Choice Requires="a14">
           <p:sp>
             <p:nvSpPr>
               <p:cNvPr id="4" name="TextBox 3">
@@ -4378,8 +4387,8 @@
             </p:nvSpPr>
             <p:spPr>
               <a:xfrm>
-                <a:off x="1077945" y="1470714"/>
-                <a:ext cx="9590055" cy="4941866"/>
+                <a:off x="1077945" y="1384454"/>
+                <a:ext cx="9590055" cy="5419497"/>
               </a:xfrm>
               <a:prstGeom prst="rect">
                 <a:avLst/>
@@ -4401,7 +4410,7 @@
                   <a:buChar char="§"/>
                 </a:pPr>
                 <a:r>
-                  <a:rPr lang="en-US" sz="2400" dirty="0"/>
+                  <a:rPr lang="en-US" sz="2400" dirty="0" smtClean="0"/>
                   <a:t>The fixed point messages of BP correspond to local optima of a constrained optimization problem known as the Bethe free energy</a:t>
                 </a:r>
               </a:p>
@@ -4414,7 +4423,7 @@
                   <a:buFont typeface="Wingdings" panose="05000000000000000000" pitchFamily="2" charset="2"/>
                   <a:buChar char="§"/>
                 </a:pPr>
-                <a:endParaRPr lang="en-US" sz="2400" dirty="0"/>
+                <a:endParaRPr lang="en-US" sz="1200" dirty="0"/>
               </a:p>
               <a:p>
                 <a:pPr marL="457200" indent="-457200">
@@ -4439,7 +4448,7 @@
                   <a:buFont typeface="Wingdings" panose="05000000000000000000" pitchFamily="2" charset="2"/>
                   <a:buChar char="§"/>
                 </a:pPr>
-                <a:endParaRPr lang="en-US" sz="2400" dirty="0"/>
+                <a:endParaRPr lang="en-US" sz="1200" dirty="0"/>
               </a:p>
               <a:p>
                 <a:pPr marL="457200" indent="-457200">
@@ -4451,8 +4460,244 @@
                 </a:pPr>
                 <a:r>
                   <a:rPr lang="en-US" sz="2400" dirty="0"/>
-                  <a:t>Assume beliefs are mixtures of fully factorized distributions (in this case, Gaussians)</a:t>
+                  <a:t>Assume </a:t>
                 </a:r>
+                <a:r>
+                  <a:rPr lang="en-US" sz="2400" dirty="0" smtClean="0"/>
+                  <a:t>beliefs over set </a:t>
+                </a:r>
+                <a14:m>
+                  <m:oMath xmlns:m="http://schemas.openxmlformats.org/officeDocument/2006/math">
+                    <m:r>
+                      <a:rPr lang="en-US" sz="2400" i="1" dirty="0" smtClean="0">
+                        <a:latin typeface="Cambria Math" panose="02040503050406030204" pitchFamily="18" charset="0"/>
+                      </a:rPr>
+                      <m:t>𝑆</m:t>
+                    </m:r>
+                  </m:oMath>
+                </a14:m>
+                <a:r>
+                  <a:rPr lang="en-US" sz="2400" dirty="0" smtClean="0"/>
+                  <a:t> </a:t>
+                </a:r>
+                <a:r>
+                  <a:rPr lang="en-US" sz="2400" dirty="0"/>
+                  <a:t>are mixtures of fully factorized distributions (in this case, Gaussians</a:t>
+                </a:r>
+                <a:r>
+                  <a:rPr lang="en-US" sz="2400" dirty="0" smtClean="0"/>
+                  <a:t>)</a:t>
+                </a:r>
+              </a:p>
+              <a:p>
+                <a:pPr marL="457200" indent="-457200">
+                  <a:buClr>
+                    <a:srgbClr val="00B0F0"/>
+                  </a:buClr>
+                  <a:buFont typeface="Wingdings" panose="05000000000000000000" pitchFamily="2" charset="2"/>
+                  <a:buChar char="§"/>
+                </a:pPr>
+                <a:endParaRPr lang="en-US" sz="1200" dirty="0"/>
+              </a:p>
+              <a:p>
+                <a:pPr/>
+                <a14:m>
+                  <m:oMathPara xmlns:m="http://schemas.openxmlformats.org/officeDocument/2006/math">
+                    <m:oMathParaPr>
+                      <m:jc m:val="centerGroup"/>
+                    </m:oMathParaPr>
+                    <m:oMath xmlns:m="http://schemas.openxmlformats.org/officeDocument/2006/math">
+                      <m:sSubSup>
+                        <m:sSubSupPr>
+                          <m:ctrlPr>
+                            <a:rPr lang="en-US" sz="2000" b="0" i="1" smtClean="0">
+                              <a:latin typeface="Cambria Math" panose="02040503050406030204" pitchFamily="18" charset="0"/>
+                            </a:rPr>
+                          </m:ctrlPr>
+                        </m:sSubSupPr>
+                        <m:e>
+                          <m:r>
+                            <a:rPr lang="en-US" sz="2000" i="1">
+                              <a:latin typeface="Cambria Math" panose="02040503050406030204" pitchFamily="18" charset="0"/>
+                            </a:rPr>
+                            <m:t>𝑏</m:t>
+                          </m:r>
+                        </m:e>
+                        <m:sub>
+                          <m:r>
+                            <a:rPr lang="en-US" sz="2000" b="0" i="1" smtClean="0">
+                              <a:latin typeface="Cambria Math" panose="02040503050406030204" pitchFamily="18" charset="0"/>
+                            </a:rPr>
+                            <m:t>𝑖</m:t>
+                          </m:r>
+                        </m:sub>
+                        <m:sup>
+                          <m:r>
+                            <a:rPr lang="en-US" sz="2000" b="0" i="1" smtClean="0">
+                              <a:latin typeface="Cambria Math" panose="02040503050406030204" pitchFamily="18" charset="0"/>
+                            </a:rPr>
+                            <m:t>𝑘</m:t>
+                          </m:r>
+                        </m:sup>
+                      </m:sSubSup>
+                      <m:d>
+                        <m:dPr>
+                          <m:ctrlPr>
+                            <a:rPr lang="en-US" sz="2000" i="1">
+                              <a:latin typeface="Cambria Math" panose="02040503050406030204" pitchFamily="18" charset="0"/>
+                            </a:rPr>
+                          </m:ctrlPr>
+                        </m:dPr>
+                        <m:e>
+                          <m:sSub>
+                            <m:sSubPr>
+                              <m:ctrlPr>
+                                <a:rPr lang="en-US" sz="2000" b="0" i="1" smtClean="0">
+                                  <a:latin typeface="Cambria Math" panose="02040503050406030204" pitchFamily="18" charset="0"/>
+                                </a:rPr>
+                              </m:ctrlPr>
+                            </m:sSubPr>
+                            <m:e>
+                              <m:r>
+                                <a:rPr lang="en-US" sz="2000" i="1" smtClean="0">
+                                  <a:latin typeface="Cambria Math" panose="02040503050406030204" pitchFamily="18" charset="0"/>
+                                </a:rPr>
+                                <m:t>𝑥</m:t>
+                              </m:r>
+                            </m:e>
+                            <m:sub>
+                              <m:r>
+                                <a:rPr lang="en-US" sz="2000" b="0" i="1" smtClean="0">
+                                  <a:latin typeface="Cambria Math" panose="02040503050406030204" pitchFamily="18" charset="0"/>
+                                </a:rPr>
+                                <m:t>𝑖</m:t>
+                              </m:r>
+                            </m:sub>
+                          </m:sSub>
+                        </m:e>
+                      </m:d>
+                      <m:r>
+                        <a:rPr lang="en-US" sz="2000" i="1">
+                          <a:latin typeface="Cambria Math" panose="02040503050406030204" pitchFamily="18" charset="0"/>
+                        </a:rPr>
+                        <m:t>=</m:t>
+                      </m:r>
+                      <m:r>
+                        <a:rPr lang="en-US" sz="2000" i="1">
+                          <a:latin typeface="Cambria Math" panose="02040503050406030204" pitchFamily="18" charset="0"/>
+                        </a:rPr>
+                        <m:t>𝑁</m:t>
+                      </m:r>
+                      <m:r>
+                        <a:rPr lang="en-US" sz="2000" i="1">
+                          <a:latin typeface="Cambria Math" panose="02040503050406030204" pitchFamily="18" charset="0"/>
+                        </a:rPr>
+                        <m:t>(</m:t>
+                      </m:r>
+                      <m:sSub>
+                        <m:sSubPr>
+                          <m:ctrlPr>
+                            <a:rPr lang="en-US" sz="2000" i="1">
+                              <a:latin typeface="Cambria Math" panose="02040503050406030204" pitchFamily="18" charset="0"/>
+                            </a:rPr>
+                          </m:ctrlPr>
+                        </m:sSubPr>
+                        <m:e>
+                          <m:r>
+                            <a:rPr lang="en-US" sz="2000" i="1">
+                              <a:latin typeface="Cambria Math" panose="02040503050406030204" pitchFamily="18" charset="0"/>
+                            </a:rPr>
+                            <m:t>𝑥</m:t>
+                          </m:r>
+                        </m:e>
+                        <m:sub>
+                          <m:r>
+                            <a:rPr lang="en-US" sz="2000" i="1">
+                              <a:latin typeface="Cambria Math" panose="02040503050406030204" pitchFamily="18" charset="0"/>
+                            </a:rPr>
+                            <m:t>𝑖</m:t>
+                          </m:r>
+                        </m:sub>
+                      </m:sSub>
+                      <m:r>
+                        <a:rPr lang="en-US" sz="2000" i="1">
+                          <a:latin typeface="Cambria Math" panose="02040503050406030204" pitchFamily="18" charset="0"/>
+                        </a:rPr>
+                        <m:t>;</m:t>
+                      </m:r>
+                      <m:sSub>
+                        <m:sSubPr>
+                          <m:ctrlPr>
+                            <a:rPr lang="en-US" sz="2000" i="1">
+                              <a:latin typeface="Cambria Math" panose="02040503050406030204" pitchFamily="18" charset="0"/>
+                            </a:rPr>
+                          </m:ctrlPr>
+                        </m:sSubPr>
+                        <m:e>
+                          <m:r>
+                            <a:rPr lang="en-US" sz="2000" i="1">
+                              <a:latin typeface="Cambria Math" panose="02040503050406030204" pitchFamily="18" charset="0"/>
+                            </a:rPr>
+                            <m:t>𝜇</m:t>
+                          </m:r>
+                        </m:e>
+                        <m:sub>
+                          <m:r>
+                            <a:rPr lang="en-US" sz="2000" i="1">
+                              <a:latin typeface="Cambria Math" panose="02040503050406030204" pitchFamily="18" charset="0"/>
+                            </a:rPr>
+                            <m:t>𝑖𝑘</m:t>
+                          </m:r>
+                        </m:sub>
+                      </m:sSub>
+                      <m:r>
+                        <a:rPr lang="en-US" sz="2000" i="1">
+                          <a:latin typeface="Cambria Math" panose="02040503050406030204" pitchFamily="18" charset="0"/>
+                        </a:rPr>
+                        <m:t>,</m:t>
+                      </m:r>
+                      <m:sSub>
+                        <m:sSubPr>
+                          <m:ctrlPr>
+                            <a:rPr lang="en-US" sz="2000" i="1">
+                              <a:latin typeface="Cambria Math" panose="02040503050406030204" pitchFamily="18" charset="0"/>
+                            </a:rPr>
+                          </m:ctrlPr>
+                        </m:sSubPr>
+                        <m:e>
+                          <m:r>
+                            <a:rPr lang="en-US" sz="2000" i="1">
+                              <a:latin typeface="Cambria Math" panose="02040503050406030204" pitchFamily="18" charset="0"/>
+                            </a:rPr>
+                            <m:t>𝜎</m:t>
+                          </m:r>
+                        </m:e>
+                        <m:sub>
+                          <m:r>
+                            <a:rPr lang="en-US" sz="2000" i="1">
+                              <a:latin typeface="Cambria Math" panose="02040503050406030204" pitchFamily="18" charset="0"/>
+                            </a:rPr>
+                            <m:t>𝑖𝑘</m:t>
+                          </m:r>
+                        </m:sub>
+                      </m:sSub>
+                      <m:r>
+                        <a:rPr lang="en-US" sz="2000" i="1">
+                          <a:latin typeface="Cambria Math" panose="02040503050406030204" pitchFamily="18" charset="0"/>
+                        </a:rPr>
+                        <m:t>)</m:t>
+                      </m:r>
+                    </m:oMath>
+                  </m:oMathPara>
+                </a14:m>
+                <a:endParaRPr lang="en-US" sz="2000" b="0" i="1" dirty="0" smtClean="0">
+                  <a:latin typeface="Cambria Math" panose="02040503050406030204" pitchFamily="18" charset="0"/>
+                </a:endParaRPr>
+              </a:p>
+              <a:p>
+                <a:endParaRPr lang="en-US" sz="1200" b="0" i="1" dirty="0" smtClean="0">
+                  <a:latin typeface="Cambria Math" panose="02040503050406030204" pitchFamily="18" charset="0"/>
+                </a:endParaRPr>
               </a:p>
               <a:p>
                 <a:pPr/>
@@ -4465,14 +4710,14 @@
                       <m:sSub>
                         <m:sSubPr>
                           <m:ctrlPr>
-                            <a:rPr lang="en-US" sz="2000" i="1">
+                            <a:rPr lang="en-US" sz="2000" b="0" i="1" smtClean="0">
                               <a:latin typeface="Cambria Math" panose="02040503050406030204" pitchFamily="18" charset="0"/>
                             </a:rPr>
                           </m:ctrlPr>
                         </m:sSubPr>
                         <m:e>
                           <m:r>
-                            <a:rPr lang="en-US" sz="2000" i="1">
+                            <a:rPr lang="en-US" sz="2000" b="0" i="1" smtClean="0">
                               <a:latin typeface="Cambria Math" panose="02040503050406030204" pitchFamily="18" charset="0"/>
                             </a:rPr>
                             <m:t>𝑏</m:t>
@@ -4490,7 +4735,7 @@
                       <m:d>
                         <m:dPr>
                           <m:ctrlPr>
-                            <a:rPr lang="en-US" sz="2000" i="1">
+                            <a:rPr lang="en-US" sz="2000" b="0" i="1" smtClean="0">
                               <a:latin typeface="Cambria Math" panose="02040503050406030204" pitchFamily="18" charset="0"/>
                             </a:rPr>
                           </m:ctrlPr>
@@ -4499,7 +4744,7 @@
                           <m:sSub>
                             <m:sSubPr>
                               <m:ctrlPr>
-                                <a:rPr lang="en-US" sz="2000" i="1">
+                                <a:rPr lang="en-US" sz="2000" b="0" i="1" smtClean="0">
                                   <a:latin typeface="Cambria Math" panose="02040503050406030204" pitchFamily="18" charset="0"/>
                                 </a:rPr>
                               </m:ctrlPr>
@@ -4509,7 +4754,7 @@
                                 <a:rPr lang="en-US" sz="2000" b="0" i="1" smtClean="0">
                                   <a:latin typeface="Cambria Math" panose="02040503050406030204" pitchFamily="18" charset="0"/>
                                 </a:rPr>
-                                <m:t>𝑋</m:t>
+                                <m:t>𝑥</m:t>
                               </m:r>
                             </m:e>
                             <m:sub>
@@ -4524,7 +4769,7 @@
                         </m:e>
                       </m:d>
                       <m:r>
-                        <a:rPr lang="en-US" sz="2000" i="1">
+                        <a:rPr lang="en-US" sz="2000" b="0" i="1" smtClean="0">
                           <a:latin typeface="Cambria Math" panose="02040503050406030204" pitchFamily="18" charset="0"/>
                         </a:rPr>
                         <m:t>=</m:t>
@@ -4534,14 +4779,14 @@
                           <m:chr m:val="∑"/>
                           <m:supHide m:val="on"/>
                           <m:ctrlPr>
-                            <a:rPr lang="en-US" sz="2000" i="1">
+                            <a:rPr lang="en-US" sz="2000" b="0" i="1" smtClean="0">
                               <a:latin typeface="Cambria Math" panose="02040503050406030204" pitchFamily="18" charset="0"/>
                             </a:rPr>
                           </m:ctrlPr>
                         </m:naryPr>
                         <m:sub>
                           <m:r>
-                            <a:rPr lang="en-US" sz="2000" i="1">
+                            <a:rPr lang="en-US" sz="2000" b="0" i="1" smtClean="0">
                               <a:latin typeface="Cambria Math" panose="02040503050406030204" pitchFamily="18" charset="0"/>
                             </a:rPr>
                             <m:t>𝑘</m:t>
@@ -4552,14 +4797,14 @@
                           <m:sSub>
                             <m:sSubPr>
                               <m:ctrlPr>
-                                <a:rPr lang="en-US" sz="2000" i="1">
+                                <a:rPr lang="en-US" sz="2000" b="0" i="1" smtClean="0">
                                   <a:latin typeface="Cambria Math" panose="02040503050406030204" pitchFamily="18" charset="0"/>
                                 </a:rPr>
                               </m:ctrlPr>
                             </m:sSubPr>
                             <m:e>
                               <m:r>
-                                <a:rPr lang="en-US" sz="2000" i="1">
+                                <a:rPr lang="en-US" sz="2000" b="0" i="1" smtClean="0">
                                   <a:latin typeface="Cambria Math" panose="02040503050406030204" pitchFamily="18" charset="0"/>
                                 </a:rPr>
                                 <m:t>𝑤</m:t>
@@ -4567,7 +4812,7 @@
                             </m:e>
                             <m:sub>
                               <m:r>
-                                <a:rPr lang="en-US" sz="2000" i="1">
+                                <a:rPr lang="en-US" sz="2000" b="0" i="1" smtClean="0">
                                   <a:latin typeface="Cambria Math" panose="02040503050406030204" pitchFamily="18" charset="0"/>
                                 </a:rPr>
                                 <m:t>𝑘</m:t>
@@ -4579,97 +4824,47 @@
                               <m:chr m:val="∏"/>
                               <m:supHide m:val="on"/>
                               <m:ctrlPr>
-                                <a:rPr lang="en-US" sz="2000" b="0" i="1" smtClean="0">
+                                <a:rPr lang="en-US" sz="2000" i="1">
                                   <a:latin typeface="Cambria Math" panose="02040503050406030204" pitchFamily="18" charset="0"/>
                                 </a:rPr>
                               </m:ctrlPr>
                             </m:naryPr>
                             <m:sub>
-                              <m:sSub>
-                                <m:sSubPr>
-                                  <m:ctrlPr>
-                                    <a:rPr lang="en-US" sz="2000" b="0" i="1" smtClean="0">
-                                      <a:latin typeface="Cambria Math" panose="02040503050406030204" pitchFamily="18" charset="0"/>
-                                    </a:rPr>
-                                  </m:ctrlPr>
-                                </m:sSubPr>
-                                <m:e>
-                                  <m:r>
-                                    <a:rPr lang="en-US" sz="2000" b="0" i="1" smtClean="0">
-                                      <a:latin typeface="Cambria Math" panose="02040503050406030204" pitchFamily="18" charset="0"/>
-                                    </a:rPr>
-                                    <m:t>𝑥</m:t>
-                                  </m:r>
-                                </m:e>
-                                <m:sub>
-                                  <m:r>
-                                    <a:rPr lang="en-US" sz="2000" b="0" i="1" smtClean="0">
-                                      <a:latin typeface="Cambria Math" panose="02040503050406030204" pitchFamily="18" charset="0"/>
-                                    </a:rPr>
-                                    <m:t>𝑖</m:t>
-                                  </m:r>
-                                </m:sub>
-                              </m:sSub>
-                              <m:r>
-                                <a:rPr lang="en-US" sz="2000" b="0" i="1" smtClean="0">
-                                  <a:latin typeface="Cambria Math" panose="02040503050406030204" pitchFamily="18" charset="0"/>
-                                </a:rPr>
-                                <m:t>∈</m:t>
-                              </m:r>
-                              <m:sSub>
-                                <m:sSubPr>
-                                  <m:ctrlPr>
-                                    <a:rPr lang="en-US" sz="2000" b="0" i="1" smtClean="0">
-                                      <a:latin typeface="Cambria Math" panose="02040503050406030204" pitchFamily="18" charset="0"/>
-                                    </a:rPr>
-                                  </m:ctrlPr>
-                                </m:sSubPr>
-                                <m:e>
-                                  <m:r>
-                                    <a:rPr lang="en-US" sz="2000" b="0" i="1" smtClean="0">
-                                      <a:latin typeface="Cambria Math" panose="02040503050406030204" pitchFamily="18" charset="0"/>
-                                    </a:rPr>
-                                    <m:t>𝑋</m:t>
-                                  </m:r>
-                                </m:e>
-                                <m:sub>
-                                  <m:r>
-                                    <a:rPr lang="en-US" sz="2000" b="0" i="1" smtClean="0">
-                                      <a:latin typeface="Cambria Math" panose="02040503050406030204" pitchFamily="18" charset="0"/>
-                                    </a:rPr>
-                                    <m:t>𝑆</m:t>
-                                  </m:r>
-                                </m:sub>
-                              </m:sSub>
-                            </m:sub>
-                            <m:sup/>
-                            <m:e>
                               <m:r>
                                 <a:rPr lang="en-US" sz="2000" i="1">
                                   <a:latin typeface="Cambria Math" panose="02040503050406030204" pitchFamily="18" charset="0"/>
                                 </a:rPr>
-                                <m:t>𝑁</m:t>
+                                <m:t>𝑖</m:t>
                               </m:r>
                               <m:r>
                                 <a:rPr lang="en-US" sz="2000" i="1">
                                   <a:latin typeface="Cambria Math" panose="02040503050406030204" pitchFamily="18" charset="0"/>
                                 </a:rPr>
-                                <m:t>(</m:t>
+                                <m:t>∈</m:t>
                               </m:r>
-                              <m:sSub>
-                                <m:sSubPr>
+                              <m:r>
+                                <a:rPr lang="en-US" sz="2000" i="1">
+                                  <a:latin typeface="Cambria Math" panose="02040503050406030204" pitchFamily="18" charset="0"/>
+                                </a:rPr>
+                                <m:t>𝑆</m:t>
+                              </m:r>
+                            </m:sub>
+                            <m:sup/>
+                            <m:e>
+                              <m:sSubSup>
+                                <m:sSubSupPr>
                                   <m:ctrlPr>
                                     <a:rPr lang="en-US" sz="2000" i="1">
                                       <a:latin typeface="Cambria Math" panose="02040503050406030204" pitchFamily="18" charset="0"/>
                                     </a:rPr>
                                   </m:ctrlPr>
-                                </m:sSubPr>
+                                </m:sSubSupPr>
                                 <m:e>
                                   <m:r>
                                     <a:rPr lang="en-US" sz="2000" i="1">
                                       <a:latin typeface="Cambria Math" panose="02040503050406030204" pitchFamily="18" charset="0"/>
                                     </a:rPr>
-                                    <m:t>𝑥</m:t>
+                                    <m:t>𝑏</m:t>
                                   </m:r>
                                 </m:e>
                                 <m:sub>
@@ -4680,89 +4875,64 @@
                                     <m:t>𝑖</m:t>
                                   </m:r>
                                 </m:sub>
-                              </m:sSub>
-                              <m:r>
-                                <a:rPr lang="en-US" sz="2000" i="1">
-                                  <a:latin typeface="Cambria Math" panose="02040503050406030204" pitchFamily="18" charset="0"/>
-                                </a:rPr>
-                                <m:t>;</m:t>
-                              </m:r>
-                              <m:sSub>
-                                <m:sSubPr>
+                                <m:sup>
+                                  <m:r>
+                                    <a:rPr lang="en-US" sz="2000" i="1">
+                                      <a:latin typeface="Cambria Math" panose="02040503050406030204" pitchFamily="18" charset="0"/>
+                                    </a:rPr>
+                                    <m:t>𝑘</m:t>
+                                  </m:r>
+                                </m:sup>
+                              </m:sSubSup>
+                              <m:d>
+                                <m:dPr>
                                   <m:ctrlPr>
                                     <a:rPr lang="en-US" sz="2000" i="1">
                                       <a:latin typeface="Cambria Math" panose="02040503050406030204" pitchFamily="18" charset="0"/>
                                     </a:rPr>
                                   </m:ctrlPr>
-                                </m:sSubPr>
+                                </m:dPr>
                                 <m:e>
-                                  <m:r>
-                                    <a:rPr lang="en-US" sz="2000" i="1">
-                                      <a:latin typeface="Cambria Math" panose="02040503050406030204" pitchFamily="18" charset="0"/>
-                                    </a:rPr>
-                                    <m:t>𝜇</m:t>
-                                  </m:r>
+                                  <m:sSub>
+                                    <m:sSubPr>
+                                      <m:ctrlPr>
+                                        <a:rPr lang="en-US" sz="2000" i="1">
+                                          <a:latin typeface="Cambria Math" panose="02040503050406030204" pitchFamily="18" charset="0"/>
+                                        </a:rPr>
+                                      </m:ctrlPr>
+                                    </m:sSubPr>
+                                    <m:e>
+                                      <m:r>
+                                        <a:rPr lang="en-US" sz="2000" i="1">
+                                          <a:latin typeface="Cambria Math" panose="02040503050406030204" pitchFamily="18" charset="0"/>
+                                        </a:rPr>
+                                        <m:t>𝑥</m:t>
+                                      </m:r>
+                                    </m:e>
+                                    <m:sub>
+                                      <m:r>
+                                        <a:rPr lang="en-US" sz="2000" i="1">
+                                          <a:latin typeface="Cambria Math" panose="02040503050406030204" pitchFamily="18" charset="0"/>
+                                        </a:rPr>
+                                        <m:t>𝑖</m:t>
+                                      </m:r>
+                                    </m:sub>
+                                  </m:sSub>
                                 </m:e>
-                                <m:sub>
-                                  <m:r>
-                                    <a:rPr lang="en-US" sz="2000" i="1">
-                                      <a:latin typeface="Cambria Math" panose="02040503050406030204" pitchFamily="18" charset="0"/>
-                                    </a:rPr>
-                                    <m:t>𝑖𝑘</m:t>
-                                  </m:r>
-                                </m:sub>
-                              </m:sSub>
-                              <m:r>
-                                <a:rPr lang="en-US" sz="2000" i="1">
-                                  <a:latin typeface="Cambria Math" panose="02040503050406030204" pitchFamily="18" charset="0"/>
-                                </a:rPr>
-                                <m:t>,</m:t>
-                              </m:r>
-                              <m:sSub>
-                                <m:sSubPr>
-                                  <m:ctrlPr>
-                                    <a:rPr lang="en-US" sz="2000" i="1">
-                                      <a:latin typeface="Cambria Math" panose="02040503050406030204" pitchFamily="18" charset="0"/>
-                                    </a:rPr>
-                                  </m:ctrlPr>
-                                </m:sSubPr>
-                                <m:e>
-                                  <m:r>
-                                    <a:rPr lang="en-US" sz="2000" i="1">
-                                      <a:latin typeface="Cambria Math" panose="02040503050406030204" pitchFamily="18" charset="0"/>
-                                    </a:rPr>
-                                    <m:t>𝜎</m:t>
-                                  </m:r>
-                                </m:e>
-                                <m:sub>
-                                  <m:r>
-                                    <a:rPr lang="en-US" sz="2000" i="1">
-                                      <a:latin typeface="Cambria Math" panose="02040503050406030204" pitchFamily="18" charset="0"/>
-                                    </a:rPr>
-                                    <m:t>𝑖𝑘</m:t>
-                                  </m:r>
-                                </m:sub>
-                              </m:sSub>
-                              <m:r>
-                                <a:rPr lang="en-US" sz="2000" b="0" i="1" smtClean="0">
-                                  <a:latin typeface="Cambria Math" panose="02040503050406030204" pitchFamily="18" charset="0"/>
-                                </a:rPr>
-                                <m:t>)</m:t>
-                              </m:r>
+                              </m:d>
                             </m:e>
                           </m:nary>
                         </m:e>
                       </m:nary>
-                      <m:r>
-                        <a:rPr lang="en-US" sz="2000" b="0" i="1" smtClean="0">
-                          <a:latin typeface="Cambria Math" panose="02040503050406030204" pitchFamily="18" charset="0"/>
-                        </a:rPr>
-                        <m:t>    </m:t>
-                      </m:r>
                     </m:oMath>
                   </m:oMathPara>
                 </a14:m>
-                <a:endParaRPr lang="en-US" sz="2000" b="0" i="1" dirty="0">
+                <a:endParaRPr lang="en-US" sz="2000" b="0" i="1" dirty="0" smtClean="0">
+                  <a:latin typeface="Cambria Math" panose="02040503050406030204" pitchFamily="18" charset="0"/>
+                </a:endParaRPr>
+              </a:p>
+              <a:p>
+                <a:endParaRPr lang="en-US" sz="1200" b="0" i="1" dirty="0">
                   <a:latin typeface="Cambria Math" panose="02040503050406030204" pitchFamily="18" charset="0"/>
                 </a:endParaRPr>
               </a:p>
@@ -4787,7 +4957,7 @@
                   <a:buFont typeface="Wingdings" panose="05000000000000000000" pitchFamily="2" charset="2"/>
                   <a:buChar char="§"/>
                 </a:pPr>
-                <a:endParaRPr lang="en-US" sz="2400" dirty="0"/>
+                <a:endParaRPr lang="en-US" sz="1200" dirty="0"/>
               </a:p>
               <a:p>
                 <a:pPr marL="457200" indent="-457200">
@@ -4815,7 +4985,7 @@
             </p:txBody>
           </p:sp>
         </mc:Choice>
-        <mc:Fallback>
+        <mc:Fallback xmlns="">
           <p:sp>
             <p:nvSpPr>
               <p:cNvPr id="4" name="TextBox 3">
@@ -4832,8 +5002,8 @@
             </p:nvSpPr>
             <p:spPr>
               <a:xfrm>
-                <a:off x="1077945" y="1470714"/>
-                <a:ext cx="9590055" cy="4941866"/>
+                <a:off x="1077945" y="1384454"/>
+                <a:ext cx="9590055" cy="5419497"/>
               </a:xfrm>
               <a:prstGeom prst="rect">
                 <a:avLst/>
@@ -4841,7 +5011,7 @@
               <a:blipFill>
                 <a:blip r:embed="rId2"/>
                 <a:stretch>
-                  <a:fillRect l="-890" t="-863" r="-1271"/>
+                  <a:fillRect l="-890" t="-787" r="-191"/>
                 </a:stretch>
               </a:blipFill>
             </p:spPr>
@@ -4951,8 +5121,8 @@
           </a:p>
         </p:txBody>
       </p:sp>
-      <mc:AlternateContent xmlns:mc="http://schemas.openxmlformats.org/markup-compatibility/2006">
-        <mc:Choice xmlns:a14="http://schemas.microsoft.com/office/drawing/2010/main" Requires="a14">
+      <mc:AlternateContent xmlns:mc="http://schemas.openxmlformats.org/markup-compatibility/2006" xmlns:a14="http://schemas.microsoft.com/office/drawing/2010/main">
+        <mc:Choice Requires="a14">
           <p:sp>
             <p:nvSpPr>
               <p:cNvPr id="4" name="TextBox 3">
@@ -4968,7 +5138,7 @@
             <p:spPr>
               <a:xfrm>
                 <a:off x="1077945" y="1470714"/>
-                <a:ext cx="10036107" cy="4532587"/>
+                <a:ext cx="10036107" cy="4655698"/>
               </a:xfrm>
               <a:prstGeom prst="rect">
                 <a:avLst/>
@@ -4990,8 +5160,22 @@
                 </a:pPr>
                 <a:r>
                   <a:rPr lang="en-US" sz="2400" dirty="0"/>
-                  <a:t>Quadrature methods to approximate continuous integrals</a:t>
+                  <a:t>Quadrature methods to approximate continuous </a:t>
                 </a:r>
+                <a:r>
+                  <a:rPr lang="en-US" sz="2400" dirty="0" smtClean="0"/>
+                  <a:t>integrals</a:t>
+                </a:r>
+              </a:p>
+              <a:p>
+                <a:pPr marL="457200" indent="-457200">
+                  <a:buClr>
+                    <a:srgbClr val="00B0F0"/>
+                  </a:buClr>
+                  <a:buFont typeface="Wingdings" panose="05000000000000000000" pitchFamily="2" charset="2"/>
+                  <a:buChar char="§"/>
+                </a:pPr>
+                <a:endParaRPr lang="en-US" sz="1000" dirty="0"/>
               </a:p>
               <a:p>
                 <a:pPr>
@@ -5190,7 +5374,15 @@
                     </m:oMath>
                   </m:oMathPara>
                 </a14:m>
-                <a:endParaRPr lang="en-US" sz="2000" dirty="0"/>
+                <a:endParaRPr lang="en-US" sz="2000" dirty="0" smtClean="0"/>
+              </a:p>
+              <a:p>
+                <a:pPr>
+                  <a:buClr>
+                    <a:srgbClr val="00B0F0"/>
+                  </a:buClr>
+                </a:pPr>
+                <a:endParaRPr lang="en-US" sz="1000" dirty="0"/>
               </a:p>
               <a:p>
                 <a:pPr marL="457200" indent="-457200">
@@ -5202,8 +5394,59 @@
                 </a:pPr>
                 <a:r>
                   <a:rPr lang="en-US" sz="2400" dirty="0"/>
-                  <a:t>No requirement on the function f and the approximation is exact whenever f is a polynomial of degree at most 2K-1</a:t>
+                  <a:t>No requirement on the function </a:t>
                 </a:r>
+                <a14:m>
+                  <m:oMath xmlns:m="http://schemas.openxmlformats.org/officeDocument/2006/math">
+                    <m:r>
+                      <a:rPr lang="en-US" sz="2400" i="1" dirty="0" smtClean="0">
+                        <a:latin typeface="Cambria Math" panose="02040503050406030204" pitchFamily="18" charset="0"/>
+                      </a:rPr>
+                      <m:t>𝑓</m:t>
+                    </m:r>
+                  </m:oMath>
+                </a14:m>
+                <a:r>
+                  <a:rPr lang="en-US" sz="2400" dirty="0"/>
+                  <a:t> and the approximation is exact whenever </a:t>
+                </a:r>
+                <a14:m>
+                  <m:oMath xmlns:m="http://schemas.openxmlformats.org/officeDocument/2006/math">
+                    <m:r>
+                      <a:rPr lang="en-US" sz="2400" i="1" dirty="0" smtClean="0">
+                        <a:latin typeface="Cambria Math" panose="02040503050406030204" pitchFamily="18" charset="0"/>
+                      </a:rPr>
+                      <m:t>𝑓</m:t>
+                    </m:r>
+                  </m:oMath>
+                </a14:m>
+                <a:r>
+                  <a:rPr lang="en-US" sz="2400" dirty="0"/>
+                  <a:t> is a polynomial of degree at most </a:t>
+                </a:r>
+                <a14:m>
+                  <m:oMath xmlns:m="http://schemas.openxmlformats.org/officeDocument/2006/math">
+                    <m:r>
+                      <a:rPr lang="en-US" sz="2400" i="1" dirty="0" smtClean="0">
+                        <a:latin typeface="Cambria Math" panose="02040503050406030204" pitchFamily="18" charset="0"/>
+                      </a:rPr>
+                      <m:t>2</m:t>
+                    </m:r>
+                    <m:r>
+                      <a:rPr lang="en-US" sz="2400" i="1" dirty="0" smtClean="0">
+                        <a:latin typeface="Cambria Math" panose="02040503050406030204" pitchFamily="18" charset="0"/>
+                      </a:rPr>
+                      <m:t>𝐾</m:t>
+                    </m:r>
+                    <m:r>
+                      <a:rPr lang="en-US" sz="2400" i="1" dirty="0" smtClean="0">
+                        <a:latin typeface="Cambria Math" panose="02040503050406030204" pitchFamily="18" charset="0"/>
+                      </a:rPr>
+                      <m:t>−1</m:t>
+                    </m:r>
+                  </m:oMath>
+                </a14:m>
+                <a:endParaRPr lang="en-US" sz="2400" dirty="0"/>
               </a:p>
               <a:p>
                 <a:pPr marL="457200" indent="-457200">
@@ -5213,7 +5456,7 @@
                   <a:buFont typeface="Wingdings" panose="05000000000000000000" pitchFamily="2" charset="2"/>
                   <a:buChar char="§"/>
                 </a:pPr>
-                <a:endParaRPr lang="en-US" sz="2400" dirty="0"/>
+                <a:endParaRPr lang="en-US" sz="1200" dirty="0"/>
               </a:p>
               <a:p>
                 <a:pPr marL="457200" indent="-457200">
@@ -5236,7 +5479,31 @@
                   <a:buFont typeface="Wingdings" panose="05000000000000000000" pitchFamily="2" charset="2"/>
                   <a:buChar char="§"/>
                 </a:pPr>
+                <a:endParaRPr lang="en-US" sz="1200" dirty="0"/>
+              </a:p>
+              <a:p>
+                <a:pPr marL="457200" indent="-457200">
+                  <a:buClr>
+                    <a:srgbClr val="00B0F0"/>
+                  </a:buClr>
+                  <a:buFont typeface="Wingdings" panose="05000000000000000000" pitchFamily="2" charset="2"/>
+                  <a:buChar char="§"/>
+                </a:pPr>
+                <a:r>
+                  <a:rPr lang="en-US" sz="2400" dirty="0" smtClean="0"/>
+                  <a:t>Marginal inference (even under evidence) is trivial</a:t>
+                </a:r>
                 <a:endParaRPr lang="en-US" sz="2400" dirty="0"/>
+              </a:p>
+              <a:p>
+                <a:pPr marL="457200" indent="-457200">
+                  <a:buClr>
+                    <a:srgbClr val="00B0F0"/>
+                  </a:buClr>
+                  <a:buFont typeface="Wingdings" panose="05000000000000000000" pitchFamily="2" charset="2"/>
+                  <a:buChar char="§"/>
+                </a:pPr>
+                <a:endParaRPr lang="en-US" sz="1200" dirty="0"/>
               </a:p>
               <a:p>
                 <a:pPr marL="457200" indent="-457200">
@@ -5248,31 +5515,13 @@
                 </a:pPr>
                 <a:r>
                   <a:rPr lang="en-US" sz="2400" dirty="0"/>
-                  <a:t>One-shot inference, new evidence queries are trivial</a:t>
+                  <a:t>Any marginals can be approximated by the </a:t>
                 </a:r>
-              </a:p>
-              <a:p>
-                <a:pPr marL="457200" indent="-457200">
-                  <a:buClr>
-                    <a:srgbClr val="00B0F0"/>
-                  </a:buClr>
-                  <a:buFont typeface="Wingdings" panose="05000000000000000000" pitchFamily="2" charset="2"/>
-                  <a:buChar char="§"/>
-                </a:pPr>
+                <a:r>
+                  <a:rPr lang="en-US" sz="2400" dirty="0" smtClean="0"/>
+                  <a:t>beliefs with enough mixture components</a:t>
+                </a:r>
                 <a:endParaRPr lang="en-US" sz="2400" dirty="0"/>
-              </a:p>
-              <a:p>
-                <a:pPr marL="457200" indent="-457200">
-                  <a:buClr>
-                    <a:srgbClr val="00B0F0"/>
-                  </a:buClr>
-                  <a:buFont typeface="Wingdings" panose="05000000000000000000" pitchFamily="2" charset="2"/>
-                  <a:buChar char="§"/>
-                </a:pPr>
-                <a:r>
-                  <a:rPr lang="en-US" sz="2400" dirty="0"/>
-                  <a:t>Any marginals can be approximated by the beliefs</a:t>
-                </a:r>
               </a:p>
               <a:p>
                 <a:pPr marL="457200" indent="-457200">
@@ -5287,7 +5536,7 @@
             </p:txBody>
           </p:sp>
         </mc:Choice>
-        <mc:Fallback>
+        <mc:Fallback xmlns="">
           <p:sp>
             <p:nvSpPr>
               <p:cNvPr id="4" name="TextBox 3">
@@ -5305,7 +5554,7 @@
             <p:spPr>
               <a:xfrm>
                 <a:off x="1077945" y="1470714"/>
-                <a:ext cx="10036107" cy="4532587"/>
+                <a:ext cx="10036107" cy="4655698"/>
               </a:xfrm>
               <a:prstGeom prst="rect">
                 <a:avLst/>
@@ -5313,7 +5562,7 @@
               <a:blipFill>
                 <a:blip r:embed="rId2"/>
                 <a:stretch>
-                  <a:fillRect l="-851" t="-941"/>
+                  <a:fillRect l="-851" t="-916"/>
                 </a:stretch>
               </a:blipFill>
             </p:spPr>
@@ -5387,7 +5636,6 @@
           <a:p>
             <a:r>
               <a:rPr lang="en-US" dirty="0">
-                <a:latin typeface="Aharoni" panose="02010803020104030203" pitchFamily="2" charset="-79"/>
                 <a:cs typeface="Aharoni" panose="02010803020104030203" pitchFamily="2" charset="-79"/>
               </a:rPr>
               <a:t>UCI datasets with Chow-Liu Trees</a:t>
@@ -6264,4 +6512,47 @@
     </a:folHlink>
   </a:clrScheme>
 </a:themeOverride>
+</file>
+
+<file path=ppt/theme/themeOverride2.xml><?xml version="1.0" encoding="utf-8"?>
+<a:themeOverride xmlns:a="http://schemas.openxmlformats.org/drawingml/2006/main">
+  <a:clrScheme name="自定义 26">
+    <a:dk1>
+      <a:srgbClr val="000000"/>
+    </a:dk1>
+    <a:lt1>
+      <a:srgbClr val="FFFFFF"/>
+    </a:lt1>
+    <a:dk2>
+      <a:srgbClr val="778495"/>
+    </a:dk2>
+    <a:lt2>
+      <a:srgbClr val="F0F0F0"/>
+    </a:lt2>
+    <a:accent1>
+      <a:srgbClr val="698FCE"/>
+    </a:accent1>
+    <a:accent2>
+      <a:srgbClr val="969EC2"/>
+    </a:accent2>
+    <a:accent3>
+      <a:srgbClr val="85C2BC"/>
+    </a:accent3>
+    <a:accent4>
+      <a:srgbClr val="FAD25F"/>
+    </a:accent4>
+    <a:accent5>
+      <a:srgbClr val="99CAE6"/>
+    </a:accent5>
+    <a:accent6>
+      <a:srgbClr val="8491CB"/>
+    </a:accent6>
+    <a:hlink>
+      <a:srgbClr val="7DC8EB"/>
+    </a:hlink>
+    <a:folHlink>
+      <a:srgbClr val="BFBFBF"/>
+    </a:folHlink>
+  </a:clrScheme>
+</a:themeOverride>
 </file>